--- a/ApresentaçãoBayer/Apresentação.pptx
+++ b/ApresentaçãoBayer/Apresentação.pptx
@@ -6052,7 +6052,7 @@
         </p:blipFill>
         <p:spPr bwMode="auto">
           <a:xfrm>
-            <a:off x="3169570" y="925011"/>
+            <a:off x="5685900" y="4081229"/>
             <a:ext cx="810726" cy="810726"/>
           </a:xfrm>
           <a:prstGeom prst="rect">
@@ -6099,7 +6099,7 @@
         </p:blipFill>
         <p:spPr bwMode="auto">
           <a:xfrm>
-            <a:off x="4508500" y="1040552"/>
+            <a:off x="6844558" y="4196770"/>
             <a:ext cx="1988126" cy="579644"/>
           </a:xfrm>
           <a:prstGeom prst="rect">
@@ -7206,7 +7206,7 @@
         </p:nvSpPr>
         <p:spPr>
           <a:xfrm>
-            <a:off x="1074757" y="1511012"/>
+            <a:off x="1074757" y="894649"/>
             <a:ext cx="1185900" cy="1323439"/>
           </a:xfrm>
           <a:prstGeom prst="rect">
@@ -7248,7 +7248,7 @@
         </p:nvSpPr>
         <p:spPr>
           <a:xfrm>
-            <a:off x="2800801" y="1511012"/>
+            <a:off x="2800801" y="894649"/>
             <a:ext cx="1185900" cy="1323439"/>
           </a:xfrm>
           <a:prstGeom prst="rect">
@@ -7290,7 +7290,7 @@
         </p:nvSpPr>
         <p:spPr>
           <a:xfrm>
-            <a:off x="4359731" y="1511012"/>
+            <a:off x="4359731" y="894649"/>
             <a:ext cx="1250950" cy="1323439"/>
           </a:xfrm>
           <a:prstGeom prst="rect">
@@ -7332,7 +7332,7 @@
         </p:nvSpPr>
         <p:spPr>
           <a:xfrm>
-            <a:off x="6052677" y="1567762"/>
+            <a:off x="6052677" y="951399"/>
             <a:ext cx="1185900" cy="1323439"/>
           </a:xfrm>
           <a:prstGeom prst="rect">
@@ -7374,7 +7374,7 @@
         </p:nvSpPr>
         <p:spPr>
           <a:xfrm>
-            <a:off x="7611607" y="1567762"/>
+            <a:off x="7611607" y="951399"/>
             <a:ext cx="1185900" cy="1323439"/>
           </a:xfrm>
           <a:prstGeom prst="rect">
@@ -7418,7 +7418,7 @@
         </p:nvSpPr>
         <p:spPr>
           <a:xfrm>
-            <a:off x="2895460" y="3381019"/>
+            <a:off x="2945961" y="2973351"/>
             <a:ext cx="4078488" cy="609600"/>
           </a:xfrm>
           <a:prstGeom prst="rect">
@@ -7712,7 +7712,7 @@
         </p:nvSpPr>
         <p:spPr>
           <a:xfrm>
-            <a:off x="3189907" y="4316190"/>
+            <a:off x="3240409" y="3877005"/>
             <a:ext cx="3489594" cy="429343"/>
           </a:xfrm>
           <a:prstGeom prst="rect">
@@ -8000,7 +8000,7 @@
         </p:nvSpPr>
         <p:spPr>
           <a:xfrm>
-            <a:off x="1074757" y="2875875"/>
+            <a:off x="1074757" y="2259512"/>
             <a:ext cx="1489200" cy="345000"/>
           </a:xfrm>
           <a:prstGeom prst="rect">
@@ -8097,7 +8097,7 @@
         </p:nvSpPr>
         <p:spPr>
           <a:xfrm>
-            <a:off x="2785889" y="2875875"/>
+            <a:off x="2785889" y="2259512"/>
             <a:ext cx="1489200" cy="345000"/>
           </a:xfrm>
           <a:prstGeom prst="rect">
@@ -8194,7 +8194,7 @@
         </p:nvSpPr>
         <p:spPr>
           <a:xfrm>
-            <a:off x="4392900" y="2891201"/>
+            <a:off x="4392900" y="2274838"/>
             <a:ext cx="1489200" cy="345000"/>
           </a:xfrm>
           <a:prstGeom prst="rect">
@@ -8291,7 +8291,7 @@
         </p:nvSpPr>
         <p:spPr>
           <a:xfrm>
-            <a:off x="6102262" y="2900080"/>
+            <a:off x="6102262" y="2283717"/>
             <a:ext cx="1489200" cy="345000"/>
           </a:xfrm>
           <a:prstGeom prst="rect">
@@ -8388,7 +8388,7 @@
         </p:nvSpPr>
         <p:spPr>
           <a:xfrm>
-            <a:off x="7582657" y="2900080"/>
+            <a:off x="7582657" y="2283717"/>
             <a:ext cx="1489200" cy="345000"/>
           </a:xfrm>
           <a:prstGeom prst="rect">
@@ -8438,6 +8438,82 @@
                 <a:sym typeface="Quicksand"/>
               </a:rPr>
               <a:t>RM92213</a:t>
+            </a:r>
+            <a:endParaRPr sz="800" dirty="0">
+              <a:solidFill>
+                <a:schemeClr val="accent5"/>
+              </a:solidFill>
+              <a:latin typeface="Quicksand"/>
+              <a:ea typeface="Quicksand"/>
+              <a:cs typeface="Quicksand"/>
+              <a:sym typeface="Quicksand"/>
+            </a:endParaRPr>
+          </a:p>
+          <a:p>
+            <a:pPr marL="0" lvl="0" indent="0" algn="ctr" rtl="0">
+              <a:spcBef>
+                <a:spcPts val="400"/>
+              </a:spcBef>
+              <a:spcAft>
+                <a:spcPts val="400"/>
+              </a:spcAft>
+              <a:buNone/>
+            </a:pPr>
+            <a:endParaRPr dirty="0">
+              <a:solidFill>
+                <a:schemeClr val="accent5"/>
+              </a:solidFill>
+              <a:latin typeface="Quicksand"/>
+              <a:ea typeface="Quicksand"/>
+              <a:cs typeface="Quicksand"/>
+              <a:sym typeface="Quicksand"/>
+            </a:endParaRPr>
+          </a:p>
+        </p:txBody>
+      </p:sp>
+      <p:sp>
+        <p:nvSpPr>
+          <p:cNvPr id="18" name="Google Shape;542;p44">
+            <a:extLst>
+              <a:ext uri="{FF2B5EF4-FFF2-40B4-BE49-F238E27FC236}">
+                <a16:creationId xmlns:a16="http://schemas.microsoft.com/office/drawing/2014/main" id="{F7FE4D29-E19C-F989-BCE9-1FD1994CAFD8}"/>
+              </a:ext>
+            </a:extLst>
+          </p:cNvPr>
+          <p:cNvSpPr txBox="1"/>
+          <p:nvPr/>
+        </p:nvSpPr>
+        <p:spPr>
+          <a:xfrm>
+            <a:off x="2623074" y="4421351"/>
+            <a:ext cx="4724263" cy="345000"/>
+          </a:xfrm>
+          <a:prstGeom prst="rect">
+            <a:avLst/>
+          </a:prstGeom>
+          <a:noFill/>
+          <a:ln>
+            <a:noFill/>
+          </a:ln>
+        </p:spPr>
+        <p:txBody>
+          <a:bodyPr spcFirstLastPara="1" wrap="square" lIns="0" tIns="0" rIns="0" bIns="0" anchor="t" anchorCtr="0">
+            <a:noAutofit/>
+          </a:bodyPr>
+          <a:lstStyle/>
+          <a:p>
+            <a:pPr algn="ctr"/>
+            <a:r>
+              <a:rPr lang="pt-BR" sz="1200" b="1" dirty="0">
+                <a:solidFill>
+                  <a:schemeClr val="accent5"/>
+                </a:solidFill>
+                <a:latin typeface="Quicksand"/>
+                <a:ea typeface="Quicksand"/>
+                <a:cs typeface="Quicksand"/>
+                <a:sym typeface="Quicksand"/>
+              </a:rPr>
+              <a:t>Link do projeto no GitHub: https://github.com/AJunior98/EnterpriseChallenge_Bayer</a:t>
             </a:r>
             <a:endParaRPr sz="800" dirty="0">
               <a:solidFill>
